--- a/FinalPresentation.pptx
+++ b/FinalPresentation.pptx
@@ -4000,9 +4000,10 @@
               <a:t>submit</a:t>
             </a:r>
             <a:r>
-              <a:rPr lang="de-DE" dirty="0"/>
-              <a:t> 2blockTasks</a:t>
-            </a:r>
+              <a:rPr lang="de-DE"/>
+              <a:t> 2BlockTasks</a:t>
+            </a:r>
+            <a:endParaRPr lang="de-DE" dirty="0"/>
           </a:p>
           <a:p>
             <a:pPr lvl="1"/>
@@ -4240,7 +4241,7 @@
             </a:r>
             <a:r>
               <a:rPr lang="de-DE" dirty="0" err="1"/>
-              <a:t>exiting</a:t>
+              <a:t>exciting</a:t>
             </a:r>
             <a:r>
               <a:rPr lang="de-DE" dirty="0"/>
@@ -4324,13 +4325,8 @@
             </a:r>
             <a:r>
               <a:rPr lang="de-DE" dirty="0"/>
-              <a:t> and </a:t>
-            </a:r>
-            <a:r>
-              <a:rPr lang="de-DE" dirty="0" err="1"/>
-              <a:t>jason</a:t>
-            </a:r>
-            <a:endParaRPr lang="de-DE" dirty="0"/>
+              <a:t> and Jason</a:t>
+            </a:r>
           </a:p>
           <a:p>
             <a:r>
@@ -4359,7 +4355,7 @@
             </a:r>
             <a:r>
               <a:rPr lang="de-DE" dirty="0" err="1"/>
-              <a:t>to</a:t>
+              <a:t>too</a:t>
             </a:r>
             <a:r>
               <a:rPr lang="de-DE" dirty="0"/>
@@ -4395,15 +4391,7 @@
             </a:r>
             <a:r>
               <a:rPr lang="de-DE" dirty="0"/>
-              <a:t> </a:t>
-            </a:r>
-            <a:r>
-              <a:rPr lang="de-DE" dirty="0" err="1"/>
-              <a:t>jason</a:t>
-            </a:r>
-            <a:r>
-              <a:rPr lang="de-DE" dirty="0"/>
-              <a:t> </a:t>
+              <a:t> Jason </a:t>
             </a:r>
             <a:r>
               <a:rPr lang="de-DE" dirty="0" err="1"/>
@@ -5055,24 +5043,12 @@
           </a:p>
           <a:p>
             <a:r>
-              <a:rPr lang="de-DE" dirty="0" err="1"/>
-              <a:t>Preparing</a:t>
-            </a:r>
-            <a:r>
-              <a:rPr lang="de-DE" dirty="0"/>
-              <a:t> </a:t>
-            </a:r>
-            <a:r>
-              <a:rPr lang="de-DE" dirty="0" err="1"/>
-              <a:t>for</a:t>
-            </a:r>
-            <a:r>
-              <a:rPr lang="de-DE" dirty="0"/>
-              <a:t> </a:t>
-            </a:r>
-            <a:r>
-              <a:rPr lang="de-DE" dirty="0" err="1"/>
-              <a:t>tournament</a:t>
+              <a:rPr lang="de-DE" dirty="0"/>
+              <a:t>Tournament </a:t>
+            </a:r>
+            <a:r>
+              <a:rPr lang="de-DE" dirty="0" err="1"/>
+              <a:t>preparation</a:t>
             </a:r>
             <a:endParaRPr lang="de-DE" dirty="0"/>
           </a:p>
@@ -5267,7 +5243,7 @@
             </a:r>
             <a:r>
               <a:rPr lang="de-DE" dirty="0" err="1"/>
-              <a:t>dont</a:t>
+              <a:t>don´t</a:t>
             </a:r>
             <a:r>
               <a:rPr lang="de-DE" dirty="0"/>
@@ -5362,7 +5338,7 @@
             </a:r>
             <a:r>
               <a:rPr lang="de-DE" dirty="0"/>
-              <a:t> block and </a:t>
+              <a:t> block, </a:t>
             </a:r>
             <a:r>
               <a:rPr lang="de-DE" dirty="0" err="1"/>
@@ -5730,25 +5706,16 @@
           <a:lstStyle/>
           <a:p>
             <a:r>
-              <a:rPr lang="de-DE" dirty="0" err="1"/>
-              <a:t>Preparing</a:t>
-            </a:r>
-            <a:r>
-              <a:rPr lang="de-DE" dirty="0"/>
-              <a:t> </a:t>
-            </a:r>
-            <a:r>
-              <a:rPr lang="de-DE" dirty="0" err="1"/>
-              <a:t>for</a:t>
-            </a:r>
-            <a:r>
-              <a:rPr lang="de-DE" dirty="0"/>
-              <a:t> </a:t>
-            </a:r>
-            <a:r>
-              <a:rPr lang="de-DE" dirty="0" err="1"/>
-              <a:t>tournament</a:t>
-            </a:r>
+              <a:rPr lang="de-DE" dirty="0"/>
+              <a:t>Tournament </a:t>
+            </a:r>
+            <a:r>
+              <a:rPr lang="de-DE" dirty="0" err="1"/>
+              <a:t>preparation</a:t>
+            </a:r>
+            <a:br>
+              <a:rPr lang="de-DE" dirty="0"/>
+            </a:br>
             <a:br>
               <a:rPr lang="de-DE" dirty="0"/>
             </a:br>
@@ -5833,7 +5800,7 @@
             </a:r>
             <a:r>
               <a:rPr lang="de-DE" dirty="0"/>
-              <a:t> </a:t>
+              <a:t> and </a:t>
             </a:r>
             <a:r>
               <a:rPr lang="de-DE" dirty="0" err="1"/>
@@ -6017,15 +5984,15 @@
             </a:r>
             <a:r>
               <a:rPr lang="de-DE" dirty="0" err="1"/>
-              <a:t>doesnt</a:t>
-            </a:r>
-            <a:r>
-              <a:rPr lang="de-DE" dirty="0"/>
-              <a:t> </a:t>
-            </a:r>
-            <a:r>
-              <a:rPr lang="de-DE" dirty="0" err="1"/>
-              <a:t>work</a:t>
+              <a:t>isn‘t</a:t>
+            </a:r>
+            <a:r>
+              <a:rPr lang="de-DE" dirty="0"/>
+              <a:t> </a:t>
+            </a:r>
+            <a:r>
+              <a:rPr lang="de-DE" dirty="0" err="1"/>
+              <a:t>working</a:t>
             </a:r>
             <a:endParaRPr lang="de-DE" dirty="0"/>
           </a:p>
@@ -6081,11 +6048,11 @@
             </a:r>
             <a:r>
               <a:rPr lang="de-DE" dirty="0" err="1"/>
-              <a:t>redo</a:t>
-            </a:r>
-            <a:r>
-              <a:rPr lang="de-DE" dirty="0"/>
-              <a:t> </a:t>
+              <a:t>re</a:t>
+            </a:r>
+            <a:r>
+              <a:rPr lang="de-DE" dirty="0"/>
+              <a:t>-do </a:t>
             </a:r>
             <a:r>
               <a:rPr lang="de-DE" dirty="0" err="1"/>
@@ -6230,7 +6197,7 @@
             </a:r>
             <a:r>
               <a:rPr lang="de-DE" dirty="0" err="1"/>
-              <a:t>redoing</a:t>
+              <a:t>re-doing</a:t>
             </a:r>
             <a:r>
               <a:rPr lang="de-DE" dirty="0"/>
@@ -6242,13 +6209,8 @@
             </a:r>
             <a:r>
               <a:rPr lang="de-DE" dirty="0"/>
-              <a:t> in </a:t>
-            </a:r>
-            <a:r>
-              <a:rPr lang="de-DE" dirty="0" err="1"/>
-              <a:t>jason</a:t>
-            </a:r>
-            <a:endParaRPr lang="de-DE" dirty="0"/>
+              <a:t> in Jason</a:t>
+            </a:r>
           </a:p>
           <a:p>
             <a:pPr lvl="1"/>
@@ -6710,13 +6672,8 @@
             </a:r>
             <a:r>
               <a:rPr lang="de-DE" dirty="0"/>
-              <a:t> </a:t>
-            </a:r>
-            <a:r>
-              <a:rPr lang="de-DE" dirty="0" err="1"/>
-              <a:t>jason</a:t>
-            </a:r>
-            <a:endParaRPr lang="de-DE" dirty="0"/>
+              <a:t> Jason</a:t>
+            </a:r>
           </a:p>
           <a:p>
             <a:r>
@@ -6791,7 +6748,7 @@
             </a:r>
             <a:r>
               <a:rPr lang="de-DE" dirty="0" err="1"/>
-              <a:t>stepperception</a:t>
+              <a:t>step-perception</a:t>
             </a:r>
             <a:endParaRPr lang="de-DE" dirty="0"/>
           </a:p>
@@ -7142,17 +7099,20 @@
             </a:r>
             <a:r>
               <a:rPr lang="de-DE" dirty="0" err="1"/>
-              <a:t>taskacceptance</a:t>
-            </a:r>
-            <a:r>
-              <a:rPr lang="de-DE" dirty="0"/>
-              <a:t> and </a:t>
-            </a:r>
-            <a:r>
-              <a:rPr lang="de-DE" dirty="0" err="1"/>
-              <a:t>blockgrabbing</a:t>
-            </a:r>
-            <a:endParaRPr lang="de-DE" dirty="0"/>
+              <a:t>task</a:t>
+            </a:r>
+            <a:r>
+              <a:rPr lang="de-DE" dirty="0"/>
+              <a:t> </a:t>
+            </a:r>
+            <a:r>
+              <a:rPr lang="de-DE" dirty="0" err="1"/>
+              <a:t>acceptance</a:t>
+            </a:r>
+            <a:r>
+              <a:rPr lang="de-DE" dirty="0"/>
+              <a:t> and block-grabbing</a:t>
+            </a:r>
           </a:p>
           <a:p>
             <a:pPr lvl="1"/>
